--- a/說明文件.pptx
+++ b/說明文件.pptx
@@ -348,7 +348,7 @@
           <a:p>
             <a:fld id="{0FB853B6-EAED-4043-B1F6-99114F2E96DD}" type="datetimeFigureOut">
               <a:rPr lang="zh-TW" altLang="en-US" smtClean="0"/>
-              <a:t>2019/1/6</a:t>
+              <a:t>2019/1/8</a:t>
             </a:fld>
             <a:endParaRPr lang="zh-TW" altLang="en-US"/>
           </a:p>
@@ -556,7 +556,7 @@
           <a:p>
             <a:fld id="{0FB853B6-EAED-4043-B1F6-99114F2E96DD}" type="datetimeFigureOut">
               <a:rPr lang="zh-TW" altLang="en-US" smtClean="0"/>
-              <a:t>2019/1/6</a:t>
+              <a:t>2019/1/8</a:t>
             </a:fld>
             <a:endParaRPr lang="zh-TW" altLang="en-US"/>
           </a:p>
@@ -812,7 +812,7 @@
           <a:p>
             <a:fld id="{0FB853B6-EAED-4043-B1F6-99114F2E96DD}" type="datetimeFigureOut">
               <a:rPr lang="zh-TW" altLang="en-US" smtClean="0"/>
-              <a:t>2019/1/6</a:t>
+              <a:t>2019/1/8</a:t>
             </a:fld>
             <a:endParaRPr lang="zh-TW" altLang="en-US"/>
           </a:p>
@@ -986,7 +986,7 @@
           <a:p>
             <a:fld id="{0FB853B6-EAED-4043-B1F6-99114F2E96DD}" type="datetimeFigureOut">
               <a:rPr lang="zh-TW" altLang="en-US" smtClean="0"/>
-              <a:t>2019/1/6</a:t>
+              <a:t>2019/1/8</a:t>
             </a:fld>
             <a:endParaRPr lang="zh-TW" altLang="en-US"/>
           </a:p>
@@ -1329,7 +1329,7 @@
           <a:p>
             <a:fld id="{0FB853B6-EAED-4043-B1F6-99114F2E96DD}" type="datetimeFigureOut">
               <a:rPr lang="zh-TW" altLang="en-US" smtClean="0"/>
-              <a:t>2019/1/6</a:t>
+              <a:t>2019/1/8</a:t>
             </a:fld>
             <a:endParaRPr lang="zh-TW" altLang="en-US"/>
           </a:p>
@@ -1604,7 +1604,7 @@
           <a:p>
             <a:fld id="{0FB853B6-EAED-4043-B1F6-99114F2E96DD}" type="datetimeFigureOut">
               <a:rPr lang="zh-TW" altLang="en-US" smtClean="0"/>
-              <a:t>2019/1/6</a:t>
+              <a:t>2019/1/8</a:t>
             </a:fld>
             <a:endParaRPr lang="zh-TW" altLang="en-US"/>
           </a:p>
@@ -1983,7 +1983,7 @@
           <a:p>
             <a:fld id="{0FB853B6-EAED-4043-B1F6-99114F2E96DD}" type="datetimeFigureOut">
               <a:rPr lang="zh-TW" altLang="en-US" smtClean="0"/>
-              <a:t>2019/1/6</a:t>
+              <a:t>2019/1/8</a:t>
             </a:fld>
             <a:endParaRPr lang="zh-TW" altLang="en-US"/>
           </a:p>
@@ -2101,7 +2101,7 @@
           <a:p>
             <a:fld id="{0FB853B6-EAED-4043-B1F6-99114F2E96DD}" type="datetimeFigureOut">
               <a:rPr lang="zh-TW" altLang="en-US" smtClean="0"/>
-              <a:t>2019/1/6</a:t>
+              <a:t>2019/1/8</a:t>
             </a:fld>
             <a:endParaRPr lang="zh-TW" altLang="en-US"/>
           </a:p>
@@ -2272,7 +2272,7 @@
           <a:p>
             <a:fld id="{0FB853B6-EAED-4043-B1F6-99114F2E96DD}" type="datetimeFigureOut">
               <a:rPr lang="zh-TW" altLang="en-US" smtClean="0"/>
-              <a:t>2019/1/6</a:t>
+              <a:t>2019/1/8</a:t>
             </a:fld>
             <a:endParaRPr lang="zh-TW" altLang="en-US"/>
           </a:p>
@@ -2626,7 +2626,7 @@
           <a:p>
             <a:fld id="{0FB853B6-EAED-4043-B1F6-99114F2E96DD}" type="datetimeFigureOut">
               <a:rPr lang="zh-TW" altLang="en-US" smtClean="0"/>
-              <a:t>2019/1/6</a:t>
+              <a:t>2019/1/8</a:t>
             </a:fld>
             <a:endParaRPr lang="zh-TW" altLang="en-US"/>
           </a:p>
@@ -3008,7 +3008,7 @@
           <a:p>
             <a:fld id="{0FB853B6-EAED-4043-B1F6-99114F2E96DD}" type="datetimeFigureOut">
               <a:rPr lang="zh-TW" altLang="en-US" smtClean="0"/>
-              <a:t>2019/1/6</a:t>
+              <a:t>2019/1/8</a:t>
             </a:fld>
             <a:endParaRPr lang="zh-TW" altLang="en-US"/>
           </a:p>
@@ -3295,7 +3295,7 @@
           <a:p>
             <a:fld id="{0FB853B6-EAED-4043-B1F6-99114F2E96DD}" type="datetimeFigureOut">
               <a:rPr lang="zh-TW" altLang="en-US" smtClean="0"/>
-              <a:t>2019/1/6</a:t>
+              <a:t>2019/1/8</a:t>
             </a:fld>
             <a:endParaRPr lang="zh-TW" altLang="en-US"/>
           </a:p>
@@ -4432,7 +4432,6 @@
               <a:rPr lang="en-US" altLang="zh-TW" dirty="0" smtClean="0"/>
               <a:t>W3School:</a:t>
             </a:r>
-            <a:endParaRPr lang="en-US" altLang="zh-TW" dirty="0" smtClean="0"/>
           </a:p>
           <a:p>
             <a:pPr marL="201168" lvl="1" indent="0">
@@ -4499,11 +4498,7 @@
             </a:pPr>
             <a:r>
               <a:rPr lang="zh-TW" altLang="en-US" dirty="0" smtClean="0"/>
-              <a:t>故事</a:t>
-            </a:r>
-            <a:r>
-              <a:rPr lang="zh-TW" altLang="en-US" dirty="0" smtClean="0"/>
-              <a:t>來源</a:t>
+              <a:t>故事來源</a:t>
             </a:r>
             <a:r>
               <a:rPr lang="en-US" altLang="zh-TW" dirty="0" smtClean="0"/>
@@ -6184,12 +6179,6 @@
             <a:r>
               <a:rPr lang="en-US" altLang="zh-TW" sz="3600" dirty="0" smtClean="0"/>
               <a:t>DOM</a:t>
-            </a:r>
-          </a:p>
-          <a:p>
-            <a:r>
-              <a:rPr lang="en-US" altLang="zh-TW" sz="3600" dirty="0" smtClean="0"/>
-              <a:t>Canvas</a:t>
             </a:r>
           </a:p>
           <a:p>

--- a/說明文件.pptx
+++ b/說明文件.pptx
@@ -348,7 +348,7 @@
           <a:p>
             <a:fld id="{0FB853B6-EAED-4043-B1F6-99114F2E96DD}" type="datetimeFigureOut">
               <a:rPr lang="zh-TW" altLang="en-US" smtClean="0"/>
-              <a:t>2019/1/8</a:t>
+              <a:t>2019/1/15</a:t>
             </a:fld>
             <a:endParaRPr lang="zh-TW" altLang="en-US"/>
           </a:p>
@@ -556,7 +556,7 @@
           <a:p>
             <a:fld id="{0FB853B6-EAED-4043-B1F6-99114F2E96DD}" type="datetimeFigureOut">
               <a:rPr lang="zh-TW" altLang="en-US" smtClean="0"/>
-              <a:t>2019/1/8</a:t>
+              <a:t>2019/1/15</a:t>
             </a:fld>
             <a:endParaRPr lang="zh-TW" altLang="en-US"/>
           </a:p>
@@ -812,7 +812,7 @@
           <a:p>
             <a:fld id="{0FB853B6-EAED-4043-B1F6-99114F2E96DD}" type="datetimeFigureOut">
               <a:rPr lang="zh-TW" altLang="en-US" smtClean="0"/>
-              <a:t>2019/1/8</a:t>
+              <a:t>2019/1/15</a:t>
             </a:fld>
             <a:endParaRPr lang="zh-TW" altLang="en-US"/>
           </a:p>
@@ -986,7 +986,7 @@
           <a:p>
             <a:fld id="{0FB853B6-EAED-4043-B1F6-99114F2E96DD}" type="datetimeFigureOut">
               <a:rPr lang="zh-TW" altLang="en-US" smtClean="0"/>
-              <a:t>2019/1/8</a:t>
+              <a:t>2019/1/15</a:t>
             </a:fld>
             <a:endParaRPr lang="zh-TW" altLang="en-US"/>
           </a:p>
@@ -1329,7 +1329,7 @@
           <a:p>
             <a:fld id="{0FB853B6-EAED-4043-B1F6-99114F2E96DD}" type="datetimeFigureOut">
               <a:rPr lang="zh-TW" altLang="en-US" smtClean="0"/>
-              <a:t>2019/1/8</a:t>
+              <a:t>2019/1/15</a:t>
             </a:fld>
             <a:endParaRPr lang="zh-TW" altLang="en-US"/>
           </a:p>
@@ -1604,7 +1604,7 @@
           <a:p>
             <a:fld id="{0FB853B6-EAED-4043-B1F6-99114F2E96DD}" type="datetimeFigureOut">
               <a:rPr lang="zh-TW" altLang="en-US" smtClean="0"/>
-              <a:t>2019/1/8</a:t>
+              <a:t>2019/1/15</a:t>
             </a:fld>
             <a:endParaRPr lang="zh-TW" altLang="en-US"/>
           </a:p>
@@ -1983,7 +1983,7 @@
           <a:p>
             <a:fld id="{0FB853B6-EAED-4043-B1F6-99114F2E96DD}" type="datetimeFigureOut">
               <a:rPr lang="zh-TW" altLang="en-US" smtClean="0"/>
-              <a:t>2019/1/8</a:t>
+              <a:t>2019/1/15</a:t>
             </a:fld>
             <a:endParaRPr lang="zh-TW" altLang="en-US"/>
           </a:p>
@@ -2101,7 +2101,7 @@
           <a:p>
             <a:fld id="{0FB853B6-EAED-4043-B1F6-99114F2E96DD}" type="datetimeFigureOut">
               <a:rPr lang="zh-TW" altLang="en-US" smtClean="0"/>
-              <a:t>2019/1/8</a:t>
+              <a:t>2019/1/15</a:t>
             </a:fld>
             <a:endParaRPr lang="zh-TW" altLang="en-US"/>
           </a:p>
@@ -2272,7 +2272,7 @@
           <a:p>
             <a:fld id="{0FB853B6-EAED-4043-B1F6-99114F2E96DD}" type="datetimeFigureOut">
               <a:rPr lang="zh-TW" altLang="en-US" smtClean="0"/>
-              <a:t>2019/1/8</a:t>
+              <a:t>2019/1/15</a:t>
             </a:fld>
             <a:endParaRPr lang="zh-TW" altLang="en-US"/>
           </a:p>
@@ -2626,7 +2626,7 @@
           <a:p>
             <a:fld id="{0FB853B6-EAED-4043-B1F6-99114F2E96DD}" type="datetimeFigureOut">
               <a:rPr lang="zh-TW" altLang="en-US" smtClean="0"/>
-              <a:t>2019/1/8</a:t>
+              <a:t>2019/1/15</a:t>
             </a:fld>
             <a:endParaRPr lang="zh-TW" altLang="en-US"/>
           </a:p>
@@ -3008,7 +3008,7 @@
           <a:p>
             <a:fld id="{0FB853B6-EAED-4043-B1F6-99114F2E96DD}" type="datetimeFigureOut">
               <a:rPr lang="zh-TW" altLang="en-US" smtClean="0"/>
-              <a:t>2019/1/8</a:t>
+              <a:t>2019/1/15</a:t>
             </a:fld>
             <a:endParaRPr lang="zh-TW" altLang="en-US"/>
           </a:p>
@@ -3295,7 +3295,7 @@
           <a:p>
             <a:fld id="{0FB853B6-EAED-4043-B1F6-99114F2E96DD}" type="datetimeFigureOut">
               <a:rPr lang="zh-TW" altLang="en-US" smtClean="0"/>
-              <a:t>2019/1/8</a:t>
+              <a:t>2019/1/15</a:t>
             </a:fld>
             <a:endParaRPr lang="zh-TW" altLang="en-US"/>
           </a:p>
@@ -6546,6 +6546,22 @@
               <a:buNone/>
             </a:pPr>
             <a:r>
+              <a:rPr lang="zh-TW" altLang="en-US" smtClean="0">
+                <a:latin typeface="微軟正黑體" panose="020B0604030504040204" pitchFamily="34" charset="-120"/>
+                <a:ea typeface="微軟正黑體" panose="020B0604030504040204" pitchFamily="34" charset="-120"/>
+              </a:rPr>
+              <a:t>人物隨時間加快速度</a:t>
+            </a:r>
+            <a:endParaRPr lang="en-US" altLang="zh-TW" dirty="0" smtClean="0">
+              <a:latin typeface="微軟正黑體" panose="020B0604030504040204" pitchFamily="34" charset="-120"/>
+              <a:ea typeface="微軟正黑體" panose="020B0604030504040204" pitchFamily="34" charset="-120"/>
+            </a:endParaRPr>
+          </a:p>
+          <a:p>
+            <a:pPr marL="0" indent="0">
+              <a:buNone/>
+            </a:pPr>
+            <a:r>
               <a:rPr lang="en-US" altLang="zh-TW" dirty="0" smtClean="0"/>
               <a:t>	</a:t>
             </a:r>
@@ -6554,7 +6570,7 @@
       </p:sp>
       <p:pic>
         <p:nvPicPr>
-          <p:cNvPr id="4" name="圖片 3"/>
+          <p:cNvPr id="5" name="圖片 4"/>
           <p:cNvPicPr>
             <a:picLocks noChangeAspect="1"/>
           </p:cNvPicPr>
@@ -6568,8 +6584,8 @@
         </p:blipFill>
         <p:spPr>
           <a:xfrm>
-            <a:off x="3068516" y="520944"/>
-            <a:ext cx="5275750" cy="5879541"/>
+            <a:off x="6753658" y="488805"/>
+            <a:ext cx="5057775" cy="5686425"/>
           </a:xfrm>
           <a:prstGeom prst="rect">
             <a:avLst/>
@@ -6589,83 +6605,7 @@
   <p:timing>
     <p:tnLst>
       <p:par>
-        <p:cTn id="1" dur="indefinite" restart="never" nodeType="tmRoot">
-          <p:childTnLst>
-            <p:seq concurrent="1" nextAc="seek">
-              <p:cTn id="2" dur="indefinite" nodeType="mainSeq">
-                <p:childTnLst>
-                  <p:par>
-                    <p:cTn id="3" fill="hold">
-                      <p:stCondLst>
-                        <p:cond delay="indefinite"/>
-                      </p:stCondLst>
-                      <p:childTnLst>
-                        <p:par>
-                          <p:cTn id="4" fill="hold">
-                            <p:stCondLst>
-                              <p:cond delay="0"/>
-                            </p:stCondLst>
-                            <p:childTnLst>
-                              <p:par>
-                                <p:cTn id="5" presetID="10" presetClass="entr" presetSubtype="0" fill="hold" nodeType="clickEffect">
-                                  <p:stCondLst>
-                                    <p:cond delay="0"/>
-                                  </p:stCondLst>
-                                  <p:childTnLst>
-                                    <p:set>
-                                      <p:cBhvr>
-                                        <p:cTn id="6" dur="1" fill="hold">
-                                          <p:stCondLst>
-                                            <p:cond delay="0"/>
-                                          </p:stCondLst>
-                                        </p:cTn>
-                                        <p:tgtEl>
-                                          <p:spTgt spid="4"/>
-                                        </p:tgtEl>
-                                        <p:attrNameLst>
-                                          <p:attrName>style.visibility</p:attrName>
-                                        </p:attrNameLst>
-                                      </p:cBhvr>
-                                      <p:to>
-                                        <p:strVal val="visible"/>
-                                      </p:to>
-                                    </p:set>
-                                    <p:animEffect transition="in" filter="fade">
-                                      <p:cBhvr>
-                                        <p:cTn id="7" dur="500"/>
-                                        <p:tgtEl>
-                                          <p:spTgt spid="4"/>
-                                        </p:tgtEl>
-                                      </p:cBhvr>
-                                    </p:animEffect>
-                                  </p:childTnLst>
-                                </p:cTn>
-                              </p:par>
-                            </p:childTnLst>
-                          </p:cTn>
-                        </p:par>
-                      </p:childTnLst>
-                    </p:cTn>
-                  </p:par>
-                </p:childTnLst>
-              </p:cTn>
-              <p:prevCondLst>
-                <p:cond evt="onPrev" delay="0">
-                  <p:tgtEl>
-                    <p:sldTgt/>
-                  </p:tgtEl>
-                </p:cond>
-              </p:prevCondLst>
-              <p:nextCondLst>
-                <p:cond evt="onNext" delay="0">
-                  <p:tgtEl>
-                    <p:sldTgt/>
-                  </p:tgtEl>
-                </p:cond>
-              </p:nextCondLst>
-            </p:seq>
-          </p:childTnLst>
-        </p:cTn>
+        <p:cTn id="1" dur="indefinite" restart="never" nodeType="tmRoot"/>
       </p:par>
     </p:tnLst>
   </p:timing>
